--- a/TYPES OF CLASSES.pptx
+++ b/TYPES OF CLASSES.pptx
@@ -204,7 +204,7 @@
           <a:p>
             <a:fld id="{E0172624-CCCD-4F36-97FF-702E039647D1}" type="datetimeFigureOut">
               <a:rPr lang="en-US" smtClean="0"/>
-              <a:t>10-Mar-14</a:t>
+              <a:t>4/19/2019</a:t>
             </a:fld>
             <a:endParaRPr lang="en-US"/>
           </a:p>
@@ -778,7 +778,7 @@
           <a:p>
             <a:fld id="{D4C0DE6A-AB7D-4F88-936E-D2519D30F20B}" type="datetime1">
               <a:rPr lang="en-US" smtClean="0"/>
-              <a:t>10-Mar-14</a:t>
+              <a:t>4/19/2019</a:t>
             </a:fld>
             <a:endParaRPr lang="en-US"/>
           </a:p>
@@ -963,7 +963,7 @@
           <a:p>
             <a:fld id="{AD72190F-78D7-4FDF-9C63-32D23A2982DC}" type="datetime1">
               <a:rPr lang="en-US" smtClean="0"/>
-              <a:t>10-Mar-14</a:t>
+              <a:t>4/19/2019</a:t>
             </a:fld>
             <a:endParaRPr lang="en-US"/>
           </a:p>
@@ -1148,7 +1148,7 @@
           <a:p>
             <a:fld id="{C101514A-DD5C-4168-93AE-4266E1CEE8ED}" type="datetime1">
               <a:rPr lang="en-US" smtClean="0"/>
-              <a:t>10-Mar-14</a:t>
+              <a:t>4/19/2019</a:t>
             </a:fld>
             <a:endParaRPr lang="en-US"/>
           </a:p>
@@ -1333,7 +1333,7 @@
           <a:p>
             <a:fld id="{176BCFBD-EB7E-4F9F-9017-3C448B96A5AE}" type="datetime1">
               <a:rPr lang="en-US" smtClean="0"/>
-              <a:t>10-Mar-14</a:t>
+              <a:t>4/19/2019</a:t>
             </a:fld>
             <a:endParaRPr lang="en-US"/>
           </a:p>
@@ -1714,7 +1714,7 @@
           <a:p>
             <a:fld id="{5437A6CA-4727-4177-A6B8-95F1F202F693}" type="datetime1">
               <a:rPr lang="en-US" smtClean="0"/>
-              <a:t>10-Mar-14</a:t>
+              <a:t>4/19/2019</a:t>
             </a:fld>
             <a:endParaRPr lang="en-US"/>
           </a:p>
@@ -1983,7 +1983,7 @@
           <a:p>
             <a:fld id="{E8EC076A-BFAA-4FEA-AB40-2F55C4B2682D}" type="datetime1">
               <a:rPr lang="en-US" smtClean="0"/>
-              <a:t>10-Mar-14</a:t>
+              <a:t>4/19/2019</a:t>
             </a:fld>
             <a:endParaRPr lang="en-US"/>
           </a:p>
@@ -2368,7 +2368,7 @@
           <a:p>
             <a:fld id="{ECEEA239-335E-41A4-9F99-89BDE533F2DE}" type="datetime1">
               <a:rPr lang="en-US" smtClean="0"/>
-              <a:t>10-Mar-14</a:t>
+              <a:t>4/19/2019</a:t>
             </a:fld>
             <a:endParaRPr lang="en-US"/>
           </a:p>
@@ -2489,7 +2489,7 @@
           <a:p>
             <a:fld id="{EFED9794-FA46-48AF-AA37-E7373C3A9B44}" type="datetime1">
               <a:rPr lang="en-US" smtClean="0"/>
-              <a:t>10-Mar-14</a:t>
+              <a:t>4/19/2019</a:t>
             </a:fld>
             <a:endParaRPr lang="en-US"/>
           </a:p>
@@ -2669,7 +2669,7 @@
           <a:p>
             <a:fld id="{4C361EAF-0C70-4DB3-A34A-835999A67AC6}" type="datetime1">
               <a:rPr lang="en-US" smtClean="0"/>
-              <a:t>10-Mar-14</a:t>
+              <a:t>4/19/2019</a:t>
             </a:fld>
             <a:endParaRPr lang="en-US"/>
           </a:p>
@@ -3003,7 +3003,7 @@
           <a:p>
             <a:fld id="{02C792A4-F23C-4EB7-B429-855DF4F11FBE}" type="datetime1">
               <a:rPr lang="en-US" smtClean="0"/>
-              <a:t>10-Mar-14</a:t>
+              <a:t>4/19/2019</a:t>
             </a:fld>
             <a:endParaRPr lang="en-US"/>
           </a:p>
@@ -3372,7 +3372,7 @@
           <a:p>
             <a:fld id="{A7B8AC9A-CD37-471C-AE6E-18B1ECD6FFA8}" type="datetime1">
               <a:rPr lang="en-US" smtClean="0"/>
-              <a:t>10-Mar-14</a:t>
+              <a:t>4/19/2019</a:t>
             </a:fld>
             <a:endParaRPr lang="en-US"/>
           </a:p>
@@ -3790,7 +3790,7 @@
           <a:p>
             <a:fld id="{6B9E95A9-9F28-465B-A812-869A95DD9F9C}" type="datetime1">
               <a:rPr lang="en-US" smtClean="0"/>
-              <a:t>10-Mar-14</a:t>
+              <a:t>4/19/2019</a:t>
             </a:fld>
             <a:endParaRPr lang="en-US"/>
           </a:p>
@@ -4261,53 +4261,6 @@
       </p:sp>
       <p:sp>
         <p:nvSpPr>
-          <p:cNvPr id="3" name="Subtitle 2"/>
-          <p:cNvSpPr>
-            <a:spLocks noGrp="1"/>
-          </p:cNvSpPr>
-          <p:nvPr>
-            <p:ph type="subTitle" idx="1"/>
-          </p:nvPr>
-        </p:nvSpPr>
-        <p:spPr>
-          <a:xfrm>
-            <a:off x="3200400" y="4953000"/>
-            <a:ext cx="5562600" cy="1752600"/>
-          </a:xfrm>
-        </p:spPr>
-        <p:txBody>
-          <a:bodyPr>
-            <a:normAutofit/>
-          </a:bodyPr>
-          <a:lstStyle/>
-          <a:p>
-            <a:pPr algn="r"/>
-            <a:r>
-              <a:rPr lang="en-US" sz="2500" dirty="0" smtClean="0">
-                <a:latin typeface="Times New Roman" pitchFamily="18" charset="0"/>
-                <a:cs typeface="Times New Roman" pitchFamily="18" charset="0"/>
-              </a:rPr>
-              <a:t>BY</a:t>
-            </a:r>
-          </a:p>
-          <a:p>
-            <a:pPr algn="r"/>
-            <a:r>
-              <a:rPr lang="en-US" sz="2500" dirty="0" smtClean="0">
-                <a:latin typeface="Times New Roman" pitchFamily="18" charset="0"/>
-                <a:cs typeface="Times New Roman" pitchFamily="18" charset="0"/>
-              </a:rPr>
-              <a:t>AVISHEK DAS</a:t>
-            </a:r>
-            <a:endParaRPr lang="en-US" sz="2500" dirty="0">
-              <a:latin typeface="Times New Roman" pitchFamily="18" charset="0"/>
-              <a:cs typeface="Times New Roman" pitchFamily="18" charset="0"/>
-            </a:endParaRPr>
-          </a:p>
-        </p:txBody>
-      </p:sp>
-      <p:sp>
-        <p:nvSpPr>
           <p:cNvPr id="4" name="Date Placeholder 3"/>
           <p:cNvSpPr>
             <a:spLocks noGrp="1"/>
@@ -4323,7 +4276,7 @@
           <a:p>
             <a:fld id="{E14CF793-18AA-4913-9161-6CC376216582}" type="datetime1">
               <a:rPr lang="en-US" smtClean="0"/>
-              <a:t>10-Mar-14</a:t>
+              <a:t>4/19/2019</a:t>
             </a:fld>
             <a:endParaRPr lang="en-US"/>
           </a:p>
@@ -4349,6 +4302,25 @@
               <a:t>1</a:t>
             </a:fld>
             <a:endParaRPr lang="en-US"/>
+          </a:p>
+        </p:txBody>
+      </p:sp>
+      <p:sp>
+        <p:nvSpPr>
+          <p:cNvPr id="6" name="Subtitle 5"/>
+          <p:cNvSpPr>
+            <a:spLocks noGrp="1"/>
+          </p:cNvSpPr>
+          <p:nvPr>
+            <p:ph type="subTitle" idx="1"/>
+          </p:nvPr>
+        </p:nvSpPr>
+        <p:spPr/>
+        <p:txBody>
+          <a:bodyPr/>
+          <a:lstStyle/>
+          <a:p>
+            <a:endParaRPr lang="en-IN"/>
           </a:p>
         </p:txBody>
       </p:sp>
@@ -4498,15 +4470,7 @@
             </a:pPr>
             <a:r>
               <a:rPr lang="en-US" sz="2400" dirty="0"/>
-              <a:t>Static classes are loaded automatically by the .</a:t>
-            </a:r>
-            <a:r>
-              <a:rPr lang="en-US" sz="2400" dirty="0"/>
-              <a:t>NET Framework</a:t>
-            </a:r>
-            <a:r>
-              <a:rPr lang="en-US" sz="2400" dirty="0"/>
-              <a:t> CLR when that program or namespace containing the class is loaded. </a:t>
+              <a:t>Static classes are loaded automatically by the .NET Framework CLR when that program or namespace containing the class is loaded. </a:t>
             </a:r>
             <a:endParaRPr lang="en-US" sz="2500" dirty="0" smtClean="0">
               <a:latin typeface="Times New Roman" pitchFamily="18" charset="0"/>
@@ -4712,7 +4676,7 @@
           <a:p>
             <a:fld id="{4F6C17F5-1EF2-4D20-9A12-C1F233F75B76}" type="datetime1">
               <a:rPr lang="en-US" smtClean="0"/>
-              <a:t>10-Mar-14</a:t>
+              <a:t>4/19/2019</a:t>
             </a:fld>
             <a:endParaRPr lang="en-US"/>
           </a:p>
@@ -5162,7 +5126,7 @@
           <a:p>
             <a:fld id="{1854AD39-A5BF-4AB7-AD81-2DAD732827D3}" type="datetime1">
               <a:rPr lang="en-US" smtClean="0"/>
-              <a:t>10-Mar-14</a:t>
+              <a:t>4/19/2019</a:t>
             </a:fld>
             <a:endParaRPr lang="en-US"/>
           </a:p>
@@ -5580,7 +5544,7 @@
           <a:p>
             <a:fld id="{A0D66B0A-5855-49C4-9D2A-2DE5E3637217}" type="datetime1">
               <a:rPr lang="en-US" smtClean="0"/>
-              <a:t>10-Mar-14</a:t>
+              <a:t>4/19/2019</a:t>
             </a:fld>
             <a:endParaRPr lang="en-US"/>
           </a:p>
@@ -5714,7 +5678,7 @@
           <a:p>
             <a:fld id="{079D554C-00B5-40DD-981D-DC364602618F}" type="datetime1">
               <a:rPr lang="en-US" smtClean="0"/>
-              <a:t>10-Mar-14</a:t>
+              <a:t>4/19/2019</a:t>
             </a:fld>
             <a:endParaRPr lang="en-US"/>
           </a:p>
@@ -6099,7 +6063,7 @@
           <a:p>
             <a:fld id="{B03CBC9D-5EC0-4428-9475-601BFA543813}" type="datetime1">
               <a:rPr lang="en-US" smtClean="0"/>
-              <a:t>10-Mar-14</a:t>
+              <a:t>4/19/2019</a:t>
             </a:fld>
             <a:endParaRPr lang="en-US"/>
           </a:p>
@@ -6236,31 +6200,19 @@
           <a:p>
             <a:r>
               <a:rPr lang="en-US" dirty="0" smtClean="0"/>
-              <a:t>Sealed </a:t>
-            </a:r>
+              <a:t>Sealed Class</a:t>
+            </a:r>
+          </a:p>
+          <a:p>
             <a:r>
               <a:rPr lang="en-US" dirty="0" smtClean="0"/>
-              <a:t>Class</a:t>
+              <a:t>Static Class</a:t>
             </a:r>
           </a:p>
           <a:p>
             <a:r>
               <a:rPr lang="en-US" dirty="0" smtClean="0"/>
-              <a:t>Static </a:t>
-            </a:r>
-            <a:r>
-              <a:rPr lang="en-US" dirty="0" smtClean="0"/>
-              <a:t>Class</a:t>
-            </a:r>
-          </a:p>
-          <a:p>
-            <a:r>
-              <a:rPr lang="en-US" dirty="0" smtClean="0"/>
-              <a:t>Nested </a:t>
-            </a:r>
-            <a:r>
-              <a:rPr lang="en-US" dirty="0" smtClean="0"/>
-              <a:t>Class</a:t>
+              <a:t>Nested Class</a:t>
             </a:r>
             <a:endParaRPr lang="en-US" dirty="0"/>
           </a:p>
@@ -6283,7 +6235,7 @@
           <a:p>
             <a:fld id="{D2293A23-68CC-49EA-98A6-80407E9E0007}" type="datetime1">
               <a:rPr lang="en-US" smtClean="0"/>
-              <a:t>10-Mar-14</a:t>
+              <a:t>4/19/2019</a:t>
             </a:fld>
             <a:endParaRPr lang="en-US"/>
           </a:p>
@@ -6478,105 +6430,94 @@
                 <a:latin typeface="Times New Roman" pitchFamily="18" charset="0"/>
                 <a:cs typeface="Times New Roman" pitchFamily="18" charset="0"/>
               </a:rPr>
-              <a:t>Declaration </a:t>
+              <a:t>Declaration of abstract class is ::   </a:t>
+            </a:r>
+            <a:r>
+              <a:rPr lang="en-US" sz="1800" b="1" dirty="0" smtClean="0">
+                <a:latin typeface="Times New Roman" pitchFamily="18" charset="0"/>
+                <a:cs typeface="Times New Roman" pitchFamily="18" charset="0"/>
+              </a:rPr>
+              <a:t>abstract </a:t>
+            </a:r>
+            <a:r>
+              <a:rPr lang="en-US" sz="1800" b="1" dirty="0">
+                <a:latin typeface="Times New Roman" pitchFamily="18" charset="0"/>
+                <a:cs typeface="Times New Roman" pitchFamily="18" charset="0"/>
+              </a:rPr>
+              <a:t>class</a:t>
+            </a:r>
+            <a:r>
+              <a:rPr lang="en-US" sz="1800" b="1" dirty="0" smtClean="0">
+                <a:latin typeface="Times New Roman" pitchFamily="18" charset="0"/>
+                <a:cs typeface="Times New Roman" pitchFamily="18" charset="0"/>
+              </a:rPr>
+              <a:t> </a:t>
+            </a:r>
+            <a:r>
+              <a:rPr lang="en-US" sz="1800" b="1" dirty="0" err="1" smtClean="0">
+                <a:latin typeface="Times New Roman" pitchFamily="18" charset="0"/>
+                <a:cs typeface="Times New Roman" pitchFamily="18" charset="0"/>
+              </a:rPr>
+              <a:t>absClass</a:t>
+            </a:r>
+            <a:r>
+              <a:rPr lang="en-US" sz="1800" b="1" dirty="0" smtClean="0">
+                <a:latin typeface="Times New Roman" pitchFamily="18" charset="0"/>
+                <a:cs typeface="Times New Roman" pitchFamily="18" charset="0"/>
+              </a:rPr>
+              <a:t> { }</a:t>
+            </a:r>
+          </a:p>
+          <a:p>
+            <a:r>
+              <a:rPr lang="en-US" sz="1800" dirty="0">
+                <a:latin typeface="Times New Roman" pitchFamily="18" charset="0"/>
+                <a:cs typeface="Times New Roman" pitchFamily="18" charset="0"/>
+              </a:rPr>
+              <a:t>An abstract class can contain either abstract methods or non abstract methods. Abstract members do not have any implementation in the abstract class, but the same has to be provided in its derived class</a:t>
             </a:r>
             <a:r>
               <a:rPr lang="en-US" sz="1800" dirty="0" smtClean="0">
                 <a:latin typeface="Times New Roman" pitchFamily="18" charset="0"/>
                 <a:cs typeface="Times New Roman" pitchFamily="18" charset="0"/>
               </a:rPr>
-              <a:t>of abstract class is ::   </a:t>
+              <a:t>. </a:t>
+            </a:r>
+            <a:r>
+              <a:rPr lang="en-US" sz="1800" b="1" dirty="0" err="1" smtClean="0">
+                <a:latin typeface="Times New Roman" pitchFamily="18" charset="0"/>
+                <a:cs typeface="Times New Roman" pitchFamily="18" charset="0"/>
+              </a:rPr>
+              <a:t>Eg</a:t>
             </a:r>
             <a:r>
               <a:rPr lang="en-US" sz="1800" b="1" dirty="0" smtClean="0">
                 <a:latin typeface="Times New Roman" pitchFamily="18" charset="0"/>
                 <a:cs typeface="Times New Roman" pitchFamily="18" charset="0"/>
               </a:rPr>
-              <a:t>abstract </a:t>
-            </a:r>
-            <a:r>
-              <a:rPr lang="en-US" sz="1800" b="1" dirty="0">
-                <a:latin typeface="Times New Roman" pitchFamily="18" charset="0"/>
-                <a:cs typeface="Times New Roman" pitchFamily="18" charset="0"/>
-              </a:rPr>
-              <a:t>class</a:t>
+              <a:t>. of abstract </a:t>
+            </a:r>
+            <a:r>
+              <a:rPr lang="en-US" sz="1800" b="1" dirty="0" err="1" smtClean="0">
+                <a:latin typeface="Times New Roman" pitchFamily="18" charset="0"/>
+                <a:cs typeface="Times New Roman" pitchFamily="18" charset="0"/>
+              </a:rPr>
+              <a:t>methord</a:t>
             </a:r>
             <a:r>
               <a:rPr lang="en-US" sz="1800" b="1" dirty="0" smtClean="0">
                 <a:latin typeface="Times New Roman" pitchFamily="18" charset="0"/>
                 <a:cs typeface="Times New Roman" pitchFamily="18" charset="0"/>
               </a:rPr>
-              <a:t> </a:t>
-            </a:r>
-            <a:r>
-              <a:rPr lang="en-US" sz="1800" b="1" dirty="0" err="1" smtClean="0">
-                <a:latin typeface="Times New Roman" pitchFamily="18" charset="0"/>
-                <a:cs typeface="Times New Roman" pitchFamily="18" charset="0"/>
-              </a:rPr>
-              <a:t>absClass</a:t>
-            </a:r>
-            <a:r>
-              <a:rPr lang="en-US" sz="1800" b="1" dirty="0" smtClean="0">
-                <a:latin typeface="Times New Roman" pitchFamily="18" charset="0"/>
-                <a:cs typeface="Times New Roman" pitchFamily="18" charset="0"/>
-              </a:rPr>
-              <a:t> { }</a:t>
-            </a:r>
-          </a:p>
-          <a:p>
-            <a:r>
-              <a:rPr lang="en-US" sz="1800" dirty="0">
-                <a:latin typeface="Times New Roman" pitchFamily="18" charset="0"/>
-                <a:cs typeface="Times New Roman" pitchFamily="18" charset="0"/>
-              </a:rPr>
-              <a:t>An abstract class can contain either abstract methods or non abstract methods. Abstract members do not have any implementation in the abstract class, but the same has to be provided in its derived class</a:t>
+              <a:t>  </a:t>
             </a:r>
             <a:r>
               <a:rPr lang="en-US" sz="1800" dirty="0" smtClean="0">
                 <a:latin typeface="Times New Roman" pitchFamily="18" charset="0"/>
                 <a:cs typeface="Times New Roman" pitchFamily="18" charset="0"/>
               </a:rPr>
-              <a:t>. </a:t>
-            </a:r>
-            <a:r>
-              <a:rPr lang="en-US" sz="1800" b="1" dirty="0" err="1" smtClean="0">
-                <a:latin typeface="Times New Roman" pitchFamily="18" charset="0"/>
-                <a:cs typeface="Times New Roman" pitchFamily="18" charset="0"/>
-              </a:rPr>
-              <a:t>Eg</a:t>
-            </a:r>
-            <a:r>
-              <a:rPr lang="en-US" sz="1800" b="1" dirty="0" smtClean="0">
-                <a:latin typeface="Times New Roman" pitchFamily="18" charset="0"/>
-                <a:cs typeface="Times New Roman" pitchFamily="18" charset="0"/>
-              </a:rPr>
-              <a:t>. of abstract </a:t>
-            </a:r>
-            <a:r>
-              <a:rPr lang="en-US" sz="1800" b="1" dirty="0" err="1" smtClean="0">
-                <a:latin typeface="Times New Roman" pitchFamily="18" charset="0"/>
-                <a:cs typeface="Times New Roman" pitchFamily="18" charset="0"/>
-              </a:rPr>
-              <a:t>methord</a:t>
-            </a:r>
-            <a:r>
-              <a:rPr lang="en-US" sz="1800" b="1" dirty="0" smtClean="0">
-                <a:latin typeface="Times New Roman" pitchFamily="18" charset="0"/>
-                <a:cs typeface="Times New Roman" pitchFamily="18" charset="0"/>
-              </a:rPr>
-              <a:t>  </a:t>
-            </a:r>
-            <a:r>
-              <a:rPr lang="en-US" sz="1800" dirty="0" smtClean="0">
-                <a:latin typeface="Times New Roman" pitchFamily="18" charset="0"/>
-                <a:cs typeface="Times New Roman" pitchFamily="18" charset="0"/>
-              </a:rPr>
               <a:t>—</a:t>
             </a:r>
-            <a:endParaRPr lang="en-US" sz="1800" dirty="0" smtClean="0">
-              <a:latin typeface="Times New Roman" pitchFamily="18" charset="0"/>
-              <a:cs typeface="Times New Roman" pitchFamily="18" charset="0"/>
-            </a:endParaRPr>
           </a:p>
           <a:p>
             <a:pPr>
@@ -6587,54 +6528,43 @@
                 <a:latin typeface="Times New Roman" pitchFamily="18" charset="0"/>
                 <a:cs typeface="Times New Roman" pitchFamily="18" charset="0"/>
               </a:rPr>
-              <a:t>    </a:t>
-            </a:r>
-            <a:r>
-              <a:rPr lang="en-US" sz="1800" dirty="0" smtClean="0">
+              <a:t>     </a:t>
+            </a:r>
+            <a:r>
+              <a:rPr lang="en-US" sz="1800" b="1" dirty="0" smtClean="0">
+                <a:latin typeface="Times New Roman" pitchFamily="18" charset="0"/>
+                <a:cs typeface="Times New Roman" pitchFamily="18" charset="0"/>
+              </a:rPr>
+              <a:t>abstract </a:t>
+            </a:r>
+            <a:r>
+              <a:rPr lang="en-US" sz="1800" b="1" dirty="0">
+                <a:latin typeface="Times New Roman" pitchFamily="18" charset="0"/>
+                <a:cs typeface="Times New Roman" pitchFamily="18" charset="0"/>
+              </a:rPr>
+              <a:t>class</a:t>
+            </a:r>
+            <a:r>
+              <a:rPr lang="en-US" sz="1800" b="1" dirty="0" smtClean="0">
                 <a:latin typeface="Times New Roman" pitchFamily="18" charset="0"/>
                 <a:cs typeface="Times New Roman" pitchFamily="18" charset="0"/>
               </a:rPr>
               <a:t> </a:t>
             </a:r>
             <a:r>
+              <a:rPr lang="en-US" sz="1800" b="1" dirty="0" err="1" smtClean="0">
+                <a:latin typeface="Times New Roman" pitchFamily="18" charset="0"/>
+                <a:cs typeface="Times New Roman" pitchFamily="18" charset="0"/>
+              </a:rPr>
+              <a:t>absClass</a:t>
+            </a:r>
+            <a:r>
               <a:rPr lang="en-US" sz="1800" b="1" dirty="0" smtClean="0">
                 <a:latin typeface="Times New Roman" pitchFamily="18" charset="0"/>
                 <a:cs typeface="Times New Roman" pitchFamily="18" charset="0"/>
               </a:rPr>
-              <a:t>abstract </a:t>
-            </a:r>
-            <a:r>
-              <a:rPr lang="en-US" sz="1800" b="1" dirty="0">
-                <a:latin typeface="Times New Roman" pitchFamily="18" charset="0"/>
-                <a:cs typeface="Times New Roman" pitchFamily="18" charset="0"/>
-              </a:rPr>
-              <a:t>class</a:t>
-            </a:r>
-            <a:r>
-              <a:rPr lang="en-US" sz="1800" b="1" dirty="0" smtClean="0">
-                <a:latin typeface="Times New Roman" pitchFamily="18" charset="0"/>
-                <a:cs typeface="Times New Roman" pitchFamily="18" charset="0"/>
-              </a:rPr>
               <a:t> </a:t>
             </a:r>
-            <a:r>
-              <a:rPr lang="en-US" sz="1800" b="1" dirty="0" err="1" smtClean="0">
-                <a:latin typeface="Times New Roman" pitchFamily="18" charset="0"/>
-                <a:cs typeface="Times New Roman" pitchFamily="18" charset="0"/>
-              </a:rPr>
-              <a:t>absClass</a:t>
-            </a:r>
-            <a:r>
-              <a:rPr lang="en-US" sz="1800" b="1" dirty="0" smtClean="0">
-                <a:latin typeface="Times New Roman" pitchFamily="18" charset="0"/>
-                <a:cs typeface="Times New Roman" pitchFamily="18" charset="0"/>
-              </a:rPr>
-              <a:t> </a:t>
-            </a:r>
-            <a:endParaRPr lang="en-US" sz="1800" b="1" dirty="0" smtClean="0">
-              <a:latin typeface="Times New Roman" pitchFamily="18" charset="0"/>
-              <a:cs typeface="Times New Roman" pitchFamily="18" charset="0"/>
-            </a:endParaRPr>
           </a:p>
           <a:p>
             <a:pPr>
@@ -6717,33 +6647,22 @@
                 <a:latin typeface="Times New Roman" pitchFamily="18" charset="0"/>
                 <a:cs typeface="Times New Roman" pitchFamily="18" charset="0"/>
               </a:rPr>
-              <a:t>. of</a:t>
+              <a:t>. of </a:t>
+            </a:r>
+            <a:r>
+              <a:rPr lang="en-US" sz="1800" b="1" dirty="0">
+                <a:latin typeface="Times New Roman" pitchFamily="18" charset="0"/>
+                <a:cs typeface="Times New Roman" pitchFamily="18" charset="0"/>
+              </a:rPr>
+              <a:t>abstract class only with non abstract members</a:t>
             </a:r>
             <a:r>
               <a:rPr lang="en-US" sz="1800" b="1" dirty="0" smtClean="0">
                 <a:latin typeface="Times New Roman" pitchFamily="18" charset="0"/>
                 <a:cs typeface="Times New Roman" pitchFamily="18" charset="0"/>
               </a:rPr>
-              <a:t> </a:t>
-            </a:r>
-            <a:r>
-              <a:rPr lang="en-US" sz="1800" b="1" dirty="0">
-                <a:latin typeface="Times New Roman" pitchFamily="18" charset="0"/>
-                <a:cs typeface="Times New Roman" pitchFamily="18" charset="0"/>
-              </a:rPr>
-              <a:t>abstract class only with non abstract members</a:t>
-            </a:r>
-            <a:r>
-              <a:rPr lang="en-US" sz="1800" b="1" dirty="0" smtClean="0">
-                <a:latin typeface="Times New Roman" pitchFamily="18" charset="0"/>
-                <a:cs typeface="Times New Roman" pitchFamily="18" charset="0"/>
-              </a:rPr>
               <a:t>. </a:t>
             </a:r>
-            <a:endParaRPr lang="en-US" sz="1800" b="1" dirty="0" smtClean="0">
-              <a:latin typeface="Times New Roman" pitchFamily="18" charset="0"/>
-              <a:cs typeface="Times New Roman" pitchFamily="18" charset="0"/>
-            </a:endParaRPr>
           </a:p>
           <a:p>
             <a:pPr>
@@ -6784,10 +6703,6 @@
               </a:rPr>
               <a:t> </a:t>
             </a:r>
-            <a:endParaRPr lang="en-US" sz="1800" b="1" dirty="0" smtClean="0">
-              <a:latin typeface="Times New Roman" pitchFamily="18" charset="0"/>
-              <a:cs typeface="Times New Roman" pitchFamily="18" charset="0"/>
-            </a:endParaRPr>
           </a:p>
           <a:p>
             <a:pPr>
@@ -6852,14 +6767,7 @@
                 <a:latin typeface="Times New Roman" pitchFamily="18" charset="0"/>
                 <a:cs typeface="Times New Roman" pitchFamily="18" charset="0"/>
               </a:rPr>
-              <a:t> </a:t>
-            </a:r>
-            <a:r>
-              <a:rPr lang="en-US" sz="1800" b="1" dirty="0" smtClean="0">
-                <a:latin typeface="Times New Roman" pitchFamily="18" charset="0"/>
-                <a:cs typeface="Times New Roman" pitchFamily="18" charset="0"/>
-              </a:rPr>
-              <a:t>{ </a:t>
+              <a:t> { </a:t>
             </a:r>
             <a:r>
               <a:rPr lang="en-US" sz="1800" b="1" dirty="0" err="1" smtClean="0">
@@ -6994,7 +6902,7 @@
           <a:p>
             <a:fld id="{CAA792B8-0050-489C-A7BD-CC0D47A708B1}" type="datetime1">
               <a:rPr lang="en-US" smtClean="0"/>
-              <a:t>10-Mar-14</a:t>
+              <a:t>4/19/2019</a:t>
             </a:fld>
             <a:endParaRPr lang="en-US"/>
           </a:p>
@@ -7907,7 +7815,7 @@
           <a:p>
             <a:fld id="{ED924468-1F58-4625-A5B7-DFAC6800E507}" type="datetime1">
               <a:rPr lang="en-US" smtClean="0"/>
-              <a:t>10-Mar-14</a:t>
+              <a:t>4/19/2019</a:t>
             </a:fld>
             <a:endParaRPr lang="en-US"/>
           </a:p>
@@ -8301,7 +8209,7 @@
           <a:p>
             <a:fld id="{3468A1C8-A029-47B7-A84B-6B4B79C61CAE}" type="datetime1">
               <a:rPr lang="en-US" smtClean="0"/>
-              <a:t>10-Mar-14</a:t>
+              <a:t>4/19/2019</a:t>
             </a:fld>
             <a:endParaRPr lang="en-US"/>
           </a:p>
@@ -8579,7 +8487,7 @@
           <a:p>
             <a:fld id="{938D2EBF-40D9-4E92-BA85-049143E446A0}" type="datetime1">
               <a:rPr lang="en-US" smtClean="0"/>
-              <a:t>10-Mar-14</a:t>
+              <a:t>4/19/2019</a:t>
             </a:fld>
             <a:endParaRPr lang="en-US"/>
           </a:p>
@@ -8828,7 +8736,7 @@
           <a:p>
             <a:fld id="{D481206B-3576-458A-BA40-830D0DC97801}" type="datetime1">
               <a:rPr lang="en-US" smtClean="0"/>
-              <a:t>10-Mar-14</a:t>
+              <a:t>4/19/2019</a:t>
             </a:fld>
             <a:endParaRPr lang="en-US"/>
           </a:p>
@@ -9177,7 +9085,7 @@
           <a:p>
             <a:fld id="{47C01DEE-DB5E-4254-BF5C-B8E1D1B62655}" type="datetime1">
               <a:rPr lang="en-US" smtClean="0"/>
-              <a:t>10-Mar-14</a:t>
+              <a:t>4/19/2019</a:t>
             </a:fld>
             <a:endParaRPr lang="en-US"/>
           </a:p>
